--- a/mp/core/callback20160118.pptx
+++ b/mp/core/callback20160118.pptx
@@ -3237,7 +3237,7 @@
         </p:nvSpPr>
         <p:spPr>
           <a:xfrm>
-            <a:off x="4923025" y="4036712"/>
+            <a:off x="4923024" y="4036712"/>
             <a:ext cx="1377167" cy="720080"/>
           </a:xfrm>
           <a:prstGeom prst="flowChartProcess">
@@ -3411,7 +3411,7 @@
         </p:nvSpPr>
         <p:spPr>
           <a:xfrm>
-            <a:off x="4923024" y="2277052"/>
+            <a:off x="4923025" y="2277052"/>
             <a:ext cx="1377167" cy="720080"/>
           </a:xfrm>
           <a:prstGeom prst="flowChartProcess">
@@ -3473,7 +3473,7 @@
         <p:spPr>
           <a:xfrm flipV="1">
             <a:off x="3923928" y="2637092"/>
-            <a:ext cx="999096" cy="1759660"/>
+            <a:ext cx="999097" cy="1759660"/>
           </a:xfrm>
           <a:prstGeom prst="straightConnector1">
             <a:avLst/>
@@ -3509,7 +3509,7 @@
         <p:spPr>
           <a:xfrm>
             <a:off x="3923928" y="4396752"/>
-            <a:ext cx="999097" cy="0"/>
+            <a:ext cx="999096" cy="0"/>
           </a:xfrm>
           <a:prstGeom prst="straightConnector1">
             <a:avLst/>
@@ -3580,8 +3580,8 @@
         </p:nvCxnSpPr>
         <p:spPr>
           <a:xfrm>
-            <a:off x="6300192" y="4396752"/>
-            <a:ext cx="936104" cy="0"/>
+            <a:off x="6300191" y="4396752"/>
+            <a:ext cx="936105" cy="0"/>
           </a:xfrm>
           <a:prstGeom prst="straightConnector1">
             <a:avLst/>
@@ -3768,8 +3768,8 @@
         </p:nvCxnSpPr>
         <p:spPr>
           <a:xfrm>
-            <a:off x="6300191" y="2637092"/>
-            <a:ext cx="936105" cy="0"/>
+            <a:off x="6300192" y="2637092"/>
+            <a:ext cx="936104" cy="0"/>
           </a:xfrm>
           <a:prstGeom prst="straightConnector1">
             <a:avLst/>
@@ -3853,7 +3853,7 @@
         </p:nvSpPr>
         <p:spPr>
           <a:xfrm>
-            <a:off x="4945856" y="260648"/>
+            <a:off x="4923025" y="260647"/>
             <a:ext cx="1377167" cy="720080"/>
           </a:xfrm>
           <a:prstGeom prst="flowChartProcess">
@@ -3911,7 +3911,7 @@
         </p:nvSpPr>
         <p:spPr>
           <a:xfrm>
-            <a:off x="7259128" y="260648"/>
+            <a:off x="7236296" y="260648"/>
             <a:ext cx="1512168" cy="720080"/>
           </a:xfrm>
           <a:prstGeom prst="flowChartProcess">
@@ -3972,8 +3972,8 @@
         </p:nvCxnSpPr>
         <p:spPr>
           <a:xfrm>
-            <a:off x="6323023" y="620688"/>
-            <a:ext cx="936105" cy="0"/>
+            <a:off x="6300192" y="620687"/>
+            <a:ext cx="936104" cy="1"/>
           </a:xfrm>
           <a:prstGeom prst="straightConnector1">
             <a:avLst/>
@@ -4043,9 +4043,9 @@
           <p:nvPr/>
         </p:nvCxnSpPr>
         <p:spPr>
-          <a:xfrm>
-            <a:off x="3923928" y="620688"/>
-            <a:ext cx="1021928" cy="0"/>
+          <a:xfrm flipV="1">
+            <a:off x="3923928" y="620687"/>
+            <a:ext cx="999097" cy="1"/>
           </a:xfrm>
           <a:prstGeom prst="straightConnector1">
             <a:avLst/>
